--- a/doc/types.pptx
+++ b/doc/types.pptx
@@ -104,6 +104,11 @@
       </a:defRPr>
     </a:lvl9pPr>
   </p:defaultTextStyle>
+  <p:extLst>
+    <p:ext uri="{EFAFB233-063F-42B5-8137-9DF3F51BA10A}">
+      <p15:sldGuideLst xmlns:p15="http://schemas.microsoft.com/office/powerpoint/2012/main"/>
+    </p:ext>
+  </p:extLst>
 </p:presentation>
 </file>
 
@@ -254,7 +259,7 @@
           <a:p>
             <a:fld id="{E3854629-86E1-BD40-8E3F-ACAF99E4F6EB}" type="datetimeFigureOut">
               <a:rPr lang="en-US" smtClean="0"/>
-              <a:t>5/15/21</a:t>
+              <a:t>6/15/22</a:t>
             </a:fld>
             <a:endParaRPr lang="en-US"/>
           </a:p>
@@ -452,7 +457,7 @@
           <a:p>
             <a:fld id="{E3854629-86E1-BD40-8E3F-ACAF99E4F6EB}" type="datetimeFigureOut">
               <a:rPr lang="en-US" smtClean="0"/>
-              <a:t>5/15/21</a:t>
+              <a:t>6/15/22</a:t>
             </a:fld>
             <a:endParaRPr lang="en-US"/>
           </a:p>
@@ -660,7 +665,7 @@
           <a:p>
             <a:fld id="{E3854629-86E1-BD40-8E3F-ACAF99E4F6EB}" type="datetimeFigureOut">
               <a:rPr lang="en-US" smtClean="0"/>
-              <a:t>5/15/21</a:t>
+              <a:t>6/15/22</a:t>
             </a:fld>
             <a:endParaRPr lang="en-US"/>
           </a:p>
@@ -858,7 +863,7 @@
           <a:p>
             <a:fld id="{E3854629-86E1-BD40-8E3F-ACAF99E4F6EB}" type="datetimeFigureOut">
               <a:rPr lang="en-US" smtClean="0"/>
-              <a:t>5/15/21</a:t>
+              <a:t>6/15/22</a:t>
             </a:fld>
             <a:endParaRPr lang="en-US"/>
           </a:p>
@@ -1133,7 +1138,7 @@
           <a:p>
             <a:fld id="{E3854629-86E1-BD40-8E3F-ACAF99E4F6EB}" type="datetimeFigureOut">
               <a:rPr lang="en-US" smtClean="0"/>
-              <a:t>5/15/21</a:t>
+              <a:t>6/15/22</a:t>
             </a:fld>
             <a:endParaRPr lang="en-US"/>
           </a:p>
@@ -1398,7 +1403,7 @@
           <a:p>
             <a:fld id="{E3854629-86E1-BD40-8E3F-ACAF99E4F6EB}" type="datetimeFigureOut">
               <a:rPr lang="en-US" smtClean="0"/>
-              <a:t>5/15/21</a:t>
+              <a:t>6/15/22</a:t>
             </a:fld>
             <a:endParaRPr lang="en-US"/>
           </a:p>
@@ -1810,7 +1815,7 @@
           <a:p>
             <a:fld id="{E3854629-86E1-BD40-8E3F-ACAF99E4F6EB}" type="datetimeFigureOut">
               <a:rPr lang="en-US" smtClean="0"/>
-              <a:t>5/15/21</a:t>
+              <a:t>6/15/22</a:t>
             </a:fld>
             <a:endParaRPr lang="en-US"/>
           </a:p>
@@ -1951,7 +1956,7 @@
           <a:p>
             <a:fld id="{E3854629-86E1-BD40-8E3F-ACAF99E4F6EB}" type="datetimeFigureOut">
               <a:rPr lang="en-US" smtClean="0"/>
-              <a:t>5/15/21</a:t>
+              <a:t>6/15/22</a:t>
             </a:fld>
             <a:endParaRPr lang="en-US"/>
           </a:p>
@@ -2064,7 +2069,7 @@
           <a:p>
             <a:fld id="{E3854629-86E1-BD40-8E3F-ACAF99E4F6EB}" type="datetimeFigureOut">
               <a:rPr lang="en-US" smtClean="0"/>
-              <a:t>5/15/21</a:t>
+              <a:t>6/15/22</a:t>
             </a:fld>
             <a:endParaRPr lang="en-US"/>
           </a:p>
@@ -2375,7 +2380,7 @@
           <a:p>
             <a:fld id="{E3854629-86E1-BD40-8E3F-ACAF99E4F6EB}" type="datetimeFigureOut">
               <a:rPr lang="en-US" smtClean="0"/>
-              <a:t>5/15/21</a:t>
+              <a:t>6/15/22</a:t>
             </a:fld>
             <a:endParaRPr lang="en-US"/>
           </a:p>
@@ -2663,7 +2668,7 @@
           <a:p>
             <a:fld id="{E3854629-86E1-BD40-8E3F-ACAF99E4F6EB}" type="datetimeFigureOut">
               <a:rPr lang="en-US" smtClean="0"/>
-              <a:t>5/15/21</a:t>
+              <a:t>6/15/22</a:t>
             </a:fld>
             <a:endParaRPr lang="en-US"/>
           </a:p>
@@ -2904,7 +2909,7 @@
           <a:p>
             <a:fld id="{E3854629-86E1-BD40-8E3F-ACAF99E4F6EB}" type="datetimeFigureOut">
               <a:rPr lang="en-US" smtClean="0"/>
-              <a:t>5/15/21</a:t>
+              <a:t>6/15/22</a:t>
             </a:fld>
             <a:endParaRPr lang="en-US"/>
           </a:p>
@@ -4229,12 +4234,304 @@
           </p:txBody>
         </p:sp>
       </p:grpSp>
+      <p:sp>
+        <p:nvSpPr>
+          <p:cNvPr id="51" name="Rounded Rectangle 50">
+            <a:extLst>
+              <a:ext uri="{FF2B5EF4-FFF2-40B4-BE49-F238E27FC236}">
+                <a16:creationId xmlns:a16="http://schemas.microsoft.com/office/drawing/2014/main" id="{0D7C09CC-F4EE-FC4D-B04A-642A9FF923DC}"/>
+              </a:ext>
+            </a:extLst>
+          </p:cNvPr>
+          <p:cNvSpPr/>
+          <p:nvPr/>
+        </p:nvSpPr>
+        <p:spPr>
+          <a:xfrm>
+            <a:off x="5814064" y="4334561"/>
+            <a:ext cx="4140158" cy="1797977"/>
+          </a:xfrm>
+          <a:prstGeom prst="roundRect">
+            <a:avLst/>
+          </a:prstGeom>
+          <a:solidFill>
+            <a:srgbClr val="00B0F0">
+              <a:alpha val="10000"/>
+            </a:srgbClr>
+          </a:solidFill>
+          <a:ln>
+            <a:noFill/>
+          </a:ln>
+        </p:spPr>
+        <p:style>
+          <a:lnRef idx="2">
+            <a:schemeClr val="accent1">
+              <a:shade val="50000"/>
+            </a:schemeClr>
+          </a:lnRef>
+          <a:fillRef idx="1">
+            <a:schemeClr val="accent1"/>
+          </a:fillRef>
+          <a:effectRef idx="0">
+            <a:schemeClr val="accent1"/>
+          </a:effectRef>
+          <a:fontRef idx="minor">
+            <a:schemeClr val="lt1"/>
+          </a:fontRef>
+        </p:style>
+        <p:txBody>
+          <a:bodyPr rtlCol="0" anchor="ctr"/>
+          <a:lstStyle/>
+          <a:p>
+            <a:pPr algn="ctr"/>
+            <a:endParaRPr lang="en-US" dirty="0"/>
+          </a:p>
+        </p:txBody>
+      </p:sp>
+      <p:sp>
+        <p:nvSpPr>
+          <p:cNvPr id="48" name="Rounded Rectangle 47">
+            <a:extLst>
+              <a:ext uri="{FF2B5EF4-FFF2-40B4-BE49-F238E27FC236}">
+                <a16:creationId xmlns:a16="http://schemas.microsoft.com/office/drawing/2014/main" id="{2C6039EE-EEA1-C747-8CE7-88E1D3175708}"/>
+              </a:ext>
+            </a:extLst>
+          </p:cNvPr>
+          <p:cNvSpPr/>
+          <p:nvPr/>
+        </p:nvSpPr>
+        <p:spPr>
+          <a:xfrm>
+            <a:off x="7401785" y="4722424"/>
+            <a:ext cx="1006867" cy="1006867"/>
+          </a:xfrm>
+          <a:prstGeom prst="roundRect">
+            <a:avLst/>
+          </a:prstGeom>
+          <a:gradFill flip="none" rotWithShape="1">
+            <a:gsLst>
+              <a:gs pos="0">
+                <a:srgbClr val="00B0F0">
+                  <a:tint val="66000"/>
+                  <a:satMod val="160000"/>
+                </a:srgbClr>
+              </a:gs>
+              <a:gs pos="50000">
+                <a:srgbClr val="00B0F0">
+                  <a:tint val="44500"/>
+                  <a:satMod val="160000"/>
+                </a:srgbClr>
+              </a:gs>
+              <a:gs pos="100000">
+                <a:srgbClr val="00B0F0">
+                  <a:tint val="23500"/>
+                  <a:satMod val="160000"/>
+                </a:srgbClr>
+              </a:gs>
+            </a:gsLst>
+            <a:path path="circle">
+              <a:fillToRect l="100000" t="100000"/>
+            </a:path>
+            <a:tileRect r="-100000" b="-100000"/>
+          </a:gradFill>
+          <a:scene3d>
+            <a:camera prst="perspectiveAbove"/>
+            <a:lightRig rig="threePt" dir="t"/>
+          </a:scene3d>
+          <a:sp3d>
+            <a:bevelT/>
+          </a:sp3d>
+        </p:spPr>
+        <p:style>
+          <a:lnRef idx="2">
+            <a:schemeClr val="accent1">
+              <a:shade val="50000"/>
+            </a:schemeClr>
+          </a:lnRef>
+          <a:fillRef idx="1">
+            <a:schemeClr val="accent1"/>
+          </a:fillRef>
+          <a:effectRef idx="0">
+            <a:schemeClr val="accent1"/>
+          </a:effectRef>
+          <a:fontRef idx="minor">
+            <a:schemeClr val="lt1"/>
+          </a:fontRef>
+        </p:style>
+        <p:txBody>
+          <a:bodyPr rtlCol="0" anchor="ctr"/>
+          <a:lstStyle/>
+          <a:p>
+            <a:pPr algn="ctr"/>
+            <a:endParaRPr lang="en-US"/>
+          </a:p>
+        </p:txBody>
+      </p:sp>
+      <p:sp>
+        <p:nvSpPr>
+          <p:cNvPr id="47" name="Rounded Rectangle 46">
+            <a:extLst>
+              <a:ext uri="{FF2B5EF4-FFF2-40B4-BE49-F238E27FC236}">
+                <a16:creationId xmlns:a16="http://schemas.microsoft.com/office/drawing/2014/main" id="{06A9CA9A-768A-E541-8FE7-3CEA58C5944D}"/>
+              </a:ext>
+            </a:extLst>
+          </p:cNvPr>
+          <p:cNvSpPr/>
+          <p:nvPr/>
+        </p:nvSpPr>
+        <p:spPr>
+          <a:xfrm>
+            <a:off x="6104491" y="4722424"/>
+            <a:ext cx="1006867" cy="1006867"/>
+          </a:xfrm>
+          <a:prstGeom prst="roundRect">
+            <a:avLst/>
+          </a:prstGeom>
+          <a:gradFill flip="none" rotWithShape="1">
+            <a:gsLst>
+              <a:gs pos="0">
+                <a:srgbClr val="00B0F0">
+                  <a:tint val="66000"/>
+                  <a:satMod val="160000"/>
+                </a:srgbClr>
+              </a:gs>
+              <a:gs pos="50000">
+                <a:srgbClr val="00B0F0">
+                  <a:tint val="44500"/>
+                  <a:satMod val="160000"/>
+                </a:srgbClr>
+              </a:gs>
+              <a:gs pos="100000">
+                <a:srgbClr val="00B0F0">
+                  <a:tint val="23500"/>
+                  <a:satMod val="160000"/>
+                </a:srgbClr>
+              </a:gs>
+            </a:gsLst>
+            <a:path path="circle">
+              <a:fillToRect l="100000" t="100000"/>
+            </a:path>
+            <a:tileRect r="-100000" b="-100000"/>
+          </a:gradFill>
+          <a:scene3d>
+            <a:camera prst="perspectiveAbove"/>
+            <a:lightRig rig="threePt" dir="t"/>
+          </a:scene3d>
+          <a:sp3d>
+            <a:bevelT/>
+          </a:sp3d>
+        </p:spPr>
+        <p:style>
+          <a:lnRef idx="2">
+            <a:schemeClr val="accent1">
+              <a:shade val="50000"/>
+            </a:schemeClr>
+          </a:lnRef>
+          <a:fillRef idx="1">
+            <a:schemeClr val="accent1"/>
+          </a:fillRef>
+          <a:effectRef idx="0">
+            <a:schemeClr val="accent1"/>
+          </a:effectRef>
+          <a:fontRef idx="minor">
+            <a:schemeClr val="lt1"/>
+          </a:fontRef>
+        </p:style>
+        <p:txBody>
+          <a:bodyPr rtlCol="0" anchor="ctr"/>
+          <a:lstStyle/>
+          <a:p>
+            <a:pPr algn="ctr"/>
+            <a:endParaRPr lang="en-US"/>
+          </a:p>
+        </p:txBody>
+      </p:sp>
+      <p:sp>
+        <p:nvSpPr>
+          <p:cNvPr id="31" name="TextBox 30">
+            <a:extLst>
+              <a:ext uri="{FF2B5EF4-FFF2-40B4-BE49-F238E27FC236}">
+                <a16:creationId xmlns:a16="http://schemas.microsoft.com/office/drawing/2014/main" id="{3FACF61C-7D58-484B-A7D6-F5E6D77F807B}"/>
+              </a:ext>
+            </a:extLst>
+          </p:cNvPr>
+          <p:cNvSpPr txBox="1"/>
+          <p:nvPr/>
+        </p:nvSpPr>
+        <p:spPr>
+          <a:xfrm>
+            <a:off x="6175754" y="5118138"/>
+            <a:ext cx="864339" cy="261610"/>
+          </a:xfrm>
+          <a:prstGeom prst="rect">
+            <a:avLst/>
+          </a:prstGeom>
+          <a:noFill/>
+        </p:spPr>
+        <p:txBody>
+          <a:bodyPr wrap="none" rtlCol="0">
+            <a:spAutoFit/>
+          </a:bodyPr>
+          <a:lstStyle/>
+          <a:p>
+            <a:pPr algn="ctr"/>
+            <a:r>
+              <a:rPr lang="en-US" sz="1100" dirty="0">
+                <a:latin typeface="Menlo" panose="020B0609030804020204" pitchFamily="49" charset="0"/>
+                <a:ea typeface="Menlo" panose="020B0609030804020204" pitchFamily="49" charset="0"/>
+                <a:cs typeface="Menlo" panose="020B0609030804020204" pitchFamily="49" charset="0"/>
+              </a:rPr>
+              <a:t>JsBuffer</a:t>
+            </a:r>
+          </a:p>
+        </p:txBody>
+      </p:sp>
+      <p:sp>
+        <p:nvSpPr>
+          <p:cNvPr id="33" name="TextBox 32">
+            <a:extLst>
+              <a:ext uri="{FF2B5EF4-FFF2-40B4-BE49-F238E27FC236}">
+                <a16:creationId xmlns:a16="http://schemas.microsoft.com/office/drawing/2014/main" id="{91C6EAEE-D555-3F4D-B3D2-DFA0B52B83C6}"/>
+              </a:ext>
+            </a:extLst>
+          </p:cNvPr>
+          <p:cNvSpPr txBox="1"/>
+          <p:nvPr/>
+        </p:nvSpPr>
+        <p:spPr>
+          <a:xfrm>
+            <a:off x="7360107" y="5118135"/>
+            <a:ext cx="1080745" cy="230832"/>
+          </a:xfrm>
+          <a:prstGeom prst="rect">
+            <a:avLst/>
+          </a:prstGeom>
+          <a:noFill/>
+        </p:spPr>
+        <p:txBody>
+          <a:bodyPr wrap="none" rtlCol="0">
+            <a:spAutoFit/>
+          </a:bodyPr>
+          <a:lstStyle/>
+          <a:p>
+            <a:pPr algn="ctr"/>
+            <a:r>
+              <a:rPr lang="en-US" sz="900" dirty="0">
+                <a:latin typeface="Menlo" panose="020B0609030804020204" pitchFamily="49" charset="0"/>
+                <a:ea typeface="Menlo" panose="020B0609030804020204" pitchFamily="49" charset="0"/>
+                <a:cs typeface="Menlo" panose="020B0609030804020204" pitchFamily="49" charset="0"/>
+              </a:rPr>
+              <a:t>JsArrayBuffer</a:t>
+            </a:r>
+          </a:p>
+        </p:txBody>
+      </p:sp>
       <p:grpSp>
         <p:nvGrpSpPr>
-          <p:cNvPr id="107" name="Group 106">
-            <a:extLst>
-              <a:ext uri="{FF2B5EF4-FFF2-40B4-BE49-F238E27FC236}">
-                <a16:creationId xmlns:a16="http://schemas.microsoft.com/office/drawing/2014/main" id="{2B2FDB27-B004-8B42-A909-B999B21BFC2E}"/>
+          <p:cNvPr id="108" name="Group 107">
+            <a:extLst>
+              <a:ext uri="{FF2B5EF4-FFF2-40B4-BE49-F238E27FC236}">
+                <a16:creationId xmlns:a16="http://schemas.microsoft.com/office/drawing/2014/main" id="{3AE124D6-FEA7-614C-AD9E-CD590EC8B47E}"/>
               </a:ext>
             </a:extLst>
           </p:cNvPr>
@@ -4243,320 +4540,7 @@
         </p:nvGrpSpPr>
         <p:grpSpPr>
           <a:xfrm>
-            <a:off x="5814064" y="4334561"/>
-            <a:ext cx="3248908" cy="1797977"/>
-            <a:chOff x="5814064" y="4334561"/>
-            <a:chExt cx="3248908" cy="1797977"/>
-          </a:xfrm>
-        </p:grpSpPr>
-        <p:sp>
-          <p:nvSpPr>
-            <p:cNvPr id="51" name="Rounded Rectangle 50">
-              <a:extLst>
-                <a:ext uri="{FF2B5EF4-FFF2-40B4-BE49-F238E27FC236}">
-                  <a16:creationId xmlns:a16="http://schemas.microsoft.com/office/drawing/2014/main" id="{0D7C09CC-F4EE-FC4D-B04A-642A9FF923DC}"/>
-                </a:ext>
-              </a:extLst>
-            </p:cNvPr>
-            <p:cNvSpPr/>
-            <p:nvPr/>
-          </p:nvSpPr>
-          <p:spPr>
-            <a:xfrm>
-              <a:off x="5814064" y="4334561"/>
-              <a:ext cx="3248908" cy="1797977"/>
-            </a:xfrm>
-            <a:prstGeom prst="roundRect">
-              <a:avLst/>
-            </a:prstGeom>
-            <a:solidFill>
-              <a:srgbClr val="00B0F0">
-                <a:alpha val="10000"/>
-              </a:srgbClr>
-            </a:solidFill>
-            <a:ln>
-              <a:noFill/>
-            </a:ln>
-          </p:spPr>
-          <p:style>
-            <a:lnRef idx="2">
-              <a:schemeClr val="accent1">
-                <a:shade val="50000"/>
-              </a:schemeClr>
-            </a:lnRef>
-            <a:fillRef idx="1">
-              <a:schemeClr val="accent1"/>
-            </a:fillRef>
-            <a:effectRef idx="0">
-              <a:schemeClr val="accent1"/>
-            </a:effectRef>
-            <a:fontRef idx="minor">
-              <a:schemeClr val="lt1"/>
-            </a:fontRef>
-          </p:style>
-          <p:txBody>
-            <a:bodyPr rtlCol="0" anchor="ctr"/>
-            <a:lstStyle/>
-            <a:p>
-              <a:pPr algn="ctr"/>
-              <a:endParaRPr lang="en-US" dirty="0"/>
-            </a:p>
-          </p:txBody>
-        </p:sp>
-        <p:sp>
-          <p:nvSpPr>
-            <p:cNvPr id="48" name="Rounded Rectangle 47">
-              <a:extLst>
-                <a:ext uri="{FF2B5EF4-FFF2-40B4-BE49-F238E27FC236}">
-                  <a16:creationId xmlns:a16="http://schemas.microsoft.com/office/drawing/2014/main" id="{2C6039EE-EEA1-C747-8CE7-88E1D3175708}"/>
-                </a:ext>
-              </a:extLst>
-            </p:cNvPr>
-            <p:cNvSpPr/>
-            <p:nvPr/>
-          </p:nvSpPr>
-          <p:spPr>
-            <a:xfrm>
-              <a:off x="7546762" y="4722424"/>
-              <a:ext cx="1006867" cy="1006867"/>
-            </a:xfrm>
-            <a:prstGeom prst="roundRect">
-              <a:avLst/>
-            </a:prstGeom>
-            <a:gradFill flip="none" rotWithShape="1">
-              <a:gsLst>
-                <a:gs pos="0">
-                  <a:srgbClr val="00B0F0">
-                    <a:tint val="66000"/>
-                    <a:satMod val="160000"/>
-                  </a:srgbClr>
-                </a:gs>
-                <a:gs pos="50000">
-                  <a:srgbClr val="00B0F0">
-                    <a:tint val="44500"/>
-                    <a:satMod val="160000"/>
-                  </a:srgbClr>
-                </a:gs>
-                <a:gs pos="100000">
-                  <a:srgbClr val="00B0F0">
-                    <a:tint val="23500"/>
-                    <a:satMod val="160000"/>
-                  </a:srgbClr>
-                </a:gs>
-              </a:gsLst>
-              <a:path path="circle">
-                <a:fillToRect l="100000" t="100000"/>
-              </a:path>
-              <a:tileRect r="-100000" b="-100000"/>
-            </a:gradFill>
-            <a:scene3d>
-              <a:camera prst="perspectiveAbove"/>
-              <a:lightRig rig="threePt" dir="t"/>
-            </a:scene3d>
-            <a:sp3d>
-              <a:bevelT/>
-            </a:sp3d>
-          </p:spPr>
-          <p:style>
-            <a:lnRef idx="2">
-              <a:schemeClr val="accent1">
-                <a:shade val="50000"/>
-              </a:schemeClr>
-            </a:lnRef>
-            <a:fillRef idx="1">
-              <a:schemeClr val="accent1"/>
-            </a:fillRef>
-            <a:effectRef idx="0">
-              <a:schemeClr val="accent1"/>
-            </a:effectRef>
-            <a:fontRef idx="minor">
-              <a:schemeClr val="lt1"/>
-            </a:fontRef>
-          </p:style>
-          <p:txBody>
-            <a:bodyPr rtlCol="0" anchor="ctr"/>
-            <a:lstStyle/>
-            <a:p>
-              <a:pPr algn="ctr"/>
-              <a:endParaRPr lang="en-US"/>
-            </a:p>
-          </p:txBody>
-        </p:sp>
-        <p:sp>
-          <p:nvSpPr>
-            <p:cNvPr id="47" name="Rounded Rectangle 46">
-              <a:extLst>
-                <a:ext uri="{FF2B5EF4-FFF2-40B4-BE49-F238E27FC236}">
-                  <a16:creationId xmlns:a16="http://schemas.microsoft.com/office/drawing/2014/main" id="{06A9CA9A-768A-E541-8FE7-3CEA58C5944D}"/>
-                </a:ext>
-              </a:extLst>
-            </p:cNvPr>
-            <p:cNvSpPr/>
-            <p:nvPr/>
-          </p:nvSpPr>
-          <p:spPr>
-            <a:xfrm>
-              <a:off x="6293844" y="4722424"/>
-              <a:ext cx="1006867" cy="1006867"/>
-            </a:xfrm>
-            <a:prstGeom prst="roundRect">
-              <a:avLst/>
-            </a:prstGeom>
-            <a:gradFill flip="none" rotWithShape="1">
-              <a:gsLst>
-                <a:gs pos="0">
-                  <a:srgbClr val="00B0F0">
-                    <a:tint val="66000"/>
-                    <a:satMod val="160000"/>
-                  </a:srgbClr>
-                </a:gs>
-                <a:gs pos="50000">
-                  <a:srgbClr val="00B0F0">
-                    <a:tint val="44500"/>
-                    <a:satMod val="160000"/>
-                  </a:srgbClr>
-                </a:gs>
-                <a:gs pos="100000">
-                  <a:srgbClr val="00B0F0">
-                    <a:tint val="23500"/>
-                    <a:satMod val="160000"/>
-                  </a:srgbClr>
-                </a:gs>
-              </a:gsLst>
-              <a:path path="circle">
-                <a:fillToRect l="100000" t="100000"/>
-              </a:path>
-              <a:tileRect r="-100000" b="-100000"/>
-            </a:gradFill>
-            <a:scene3d>
-              <a:camera prst="perspectiveAbove"/>
-              <a:lightRig rig="threePt" dir="t"/>
-            </a:scene3d>
-            <a:sp3d>
-              <a:bevelT/>
-            </a:sp3d>
-          </p:spPr>
-          <p:style>
-            <a:lnRef idx="2">
-              <a:schemeClr val="accent1">
-                <a:shade val="50000"/>
-              </a:schemeClr>
-            </a:lnRef>
-            <a:fillRef idx="1">
-              <a:schemeClr val="accent1"/>
-            </a:fillRef>
-            <a:effectRef idx="0">
-              <a:schemeClr val="accent1"/>
-            </a:effectRef>
-            <a:fontRef idx="minor">
-              <a:schemeClr val="lt1"/>
-            </a:fontRef>
-          </p:style>
-          <p:txBody>
-            <a:bodyPr rtlCol="0" anchor="ctr"/>
-            <a:lstStyle/>
-            <a:p>
-              <a:pPr algn="ctr"/>
-              <a:endParaRPr lang="en-US"/>
-            </a:p>
-          </p:txBody>
-        </p:sp>
-        <p:sp>
-          <p:nvSpPr>
-            <p:cNvPr id="31" name="TextBox 30">
-              <a:extLst>
-                <a:ext uri="{FF2B5EF4-FFF2-40B4-BE49-F238E27FC236}">
-                  <a16:creationId xmlns:a16="http://schemas.microsoft.com/office/drawing/2014/main" id="{3FACF61C-7D58-484B-A7D6-F5E6D77F807B}"/>
-                </a:ext>
-              </a:extLst>
-            </p:cNvPr>
-            <p:cNvSpPr txBox="1"/>
-            <p:nvPr/>
-          </p:nvSpPr>
-          <p:spPr>
-            <a:xfrm>
-              <a:off x="6365107" y="5118138"/>
-              <a:ext cx="864339" cy="261610"/>
-            </a:xfrm>
-            <a:prstGeom prst="rect">
-              <a:avLst/>
-            </a:prstGeom>
-            <a:noFill/>
-          </p:spPr>
-          <p:txBody>
-            <a:bodyPr wrap="none" rtlCol="0">
-              <a:spAutoFit/>
-            </a:bodyPr>
-            <a:lstStyle/>
-            <a:p>
-              <a:pPr algn="ctr"/>
-              <a:r>
-                <a:rPr lang="en-US" sz="1100" dirty="0">
-                  <a:latin typeface="Menlo" panose="020B0609030804020204" pitchFamily="49" charset="0"/>
-                  <a:ea typeface="Menlo" panose="020B0609030804020204" pitchFamily="49" charset="0"/>
-                  <a:cs typeface="Menlo" panose="020B0609030804020204" pitchFamily="49" charset="0"/>
-                </a:rPr>
-                <a:t>JsBuffer</a:t>
-              </a:r>
-            </a:p>
-          </p:txBody>
-        </p:sp>
-        <p:sp>
-          <p:nvSpPr>
-            <p:cNvPr id="33" name="TextBox 32">
-              <a:extLst>
-                <a:ext uri="{FF2B5EF4-FFF2-40B4-BE49-F238E27FC236}">
-                  <a16:creationId xmlns:a16="http://schemas.microsoft.com/office/drawing/2014/main" id="{91C6EAEE-D555-3F4D-B3D2-DFA0B52B83C6}"/>
-                </a:ext>
-              </a:extLst>
-            </p:cNvPr>
-            <p:cNvSpPr txBox="1"/>
-            <p:nvPr/>
-          </p:nvSpPr>
-          <p:spPr>
-            <a:xfrm>
-              <a:off x="7505084" y="5118135"/>
-              <a:ext cx="1080745" cy="230832"/>
-            </a:xfrm>
-            <a:prstGeom prst="rect">
-              <a:avLst/>
-            </a:prstGeom>
-            <a:noFill/>
-          </p:spPr>
-          <p:txBody>
-            <a:bodyPr wrap="none" rtlCol="0">
-              <a:spAutoFit/>
-            </a:bodyPr>
-            <a:lstStyle/>
-            <a:p>
-              <a:pPr algn="ctr"/>
-              <a:r>
-                <a:rPr lang="en-US" sz="900" dirty="0">
-                  <a:latin typeface="Menlo" panose="020B0609030804020204" pitchFamily="49" charset="0"/>
-                  <a:ea typeface="Menlo" panose="020B0609030804020204" pitchFamily="49" charset="0"/>
-                  <a:cs typeface="Menlo" panose="020B0609030804020204" pitchFamily="49" charset="0"/>
-                </a:rPr>
-                <a:t>JsArrayBuffer</a:t>
-              </a:r>
-            </a:p>
-          </p:txBody>
-        </p:sp>
-      </p:grpSp>
-      <p:grpSp>
-        <p:nvGrpSpPr>
-          <p:cNvPr id="108" name="Group 107">
-            <a:extLst>
-              <a:ext uri="{FF2B5EF4-FFF2-40B4-BE49-F238E27FC236}">
-                <a16:creationId xmlns:a16="http://schemas.microsoft.com/office/drawing/2014/main" id="{3AE124D6-FEA7-614C-AD9E-CD590EC8B47E}"/>
-              </a:ext>
-            </a:extLst>
-          </p:cNvPr>
-          <p:cNvGrpSpPr/>
-          <p:nvPr/>
-        </p:nvGrpSpPr>
-        <p:grpSpPr>
-          <a:xfrm>
-            <a:off x="9454033" y="4334561"/>
+            <a:off x="10258952" y="4334561"/>
             <a:ext cx="1933048" cy="1797977"/>
             <a:chOff x="9454033" y="4334561"/>
             <a:chExt cx="1933048" cy="1797977"/>
@@ -5354,6 +5338,7 @@
             </a:extLst>
           </p:cNvPr>
           <p:cNvCxnSpPr>
+            <a:cxnSpLocks/>
             <a:stCxn id="51" idx="0"/>
             <a:endCxn id="37" idx="2"/>
           </p:cNvCxnSpPr>
@@ -5361,12 +5346,12 @@
         </p:nvCxnSpPr>
         <p:spPr>
           <a:xfrm rot="16200000" flipV="1">
-            <a:off x="4092397" y="988439"/>
-            <a:ext cx="1036291" cy="5655953"/>
+            <a:off x="4315209" y="765627"/>
+            <a:ext cx="1036291" cy="6101578"/>
           </a:xfrm>
           <a:prstGeom prst="bentConnector3">
             <a:avLst>
-              <a:gd name="adj1" fmla="val 17408"/>
+              <a:gd name="adj1" fmla="val 19573"/>
             </a:avLst>
           </a:prstGeom>
           <a:ln w="19050">
@@ -5411,12 +5396,12 @@
         </p:nvCxnSpPr>
         <p:spPr>
           <a:xfrm rot="16200000" flipV="1">
-            <a:off x="5699146" y="-386850"/>
-            <a:ext cx="1036293" cy="8406530"/>
+            <a:off x="6101606" y="-789310"/>
+            <a:ext cx="1036293" cy="9211449"/>
           </a:xfrm>
           <a:prstGeom prst="bentConnector3">
             <a:avLst>
-              <a:gd name="adj1" fmla="val 41256"/>
+              <a:gd name="adj1" fmla="val 39858"/>
             </a:avLst>
           </a:prstGeom>
           <a:ln w="19050">
@@ -5918,7 +5903,7 @@
         </p:nvSpPr>
         <p:spPr>
           <a:xfrm>
-            <a:off x="6734845" y="5809376"/>
+            <a:off x="7261216" y="5809376"/>
             <a:ext cx="1245854" cy="307777"/>
           </a:xfrm>
           <a:prstGeom prst="rect">
@@ -5994,7 +5979,7 @@
         </p:nvSpPr>
         <p:spPr>
           <a:xfrm>
-            <a:off x="9766370" y="5782835"/>
+            <a:off x="10629403" y="5782835"/>
             <a:ext cx="1308371" cy="307777"/>
           </a:xfrm>
           <a:prstGeom prst="rect">
@@ -6014,6 +5999,140 @@
                 <a:ea typeface="Source Sans Pro" panose="020B0503030403020204" pitchFamily="34" charset="0"/>
               </a:rPr>
               <a:t>CUSTOM TYPES</a:t>
+            </a:r>
+          </a:p>
+        </p:txBody>
+      </p:sp>
+      <p:sp>
+        <p:nvSpPr>
+          <p:cNvPr id="5" name="Rounded Rectangle 4">
+            <a:extLst>
+              <a:ext uri="{FF2B5EF4-FFF2-40B4-BE49-F238E27FC236}">
+                <a16:creationId xmlns:a16="http://schemas.microsoft.com/office/drawing/2014/main" id="{F968C560-38B0-3A08-1958-D35AEE5BD5E9}"/>
+              </a:ext>
+            </a:extLst>
+          </p:cNvPr>
+          <p:cNvSpPr/>
+          <p:nvPr/>
+        </p:nvSpPr>
+        <p:spPr>
+          <a:xfrm>
+            <a:off x="8693483" y="4720607"/>
+            <a:ext cx="1006867" cy="1006867"/>
+          </a:xfrm>
+          <a:prstGeom prst="roundRect">
+            <a:avLst/>
+          </a:prstGeom>
+          <a:gradFill flip="none" rotWithShape="1">
+            <a:gsLst>
+              <a:gs pos="0">
+                <a:srgbClr val="00B0F0">
+                  <a:tint val="66000"/>
+                  <a:satMod val="160000"/>
+                </a:srgbClr>
+              </a:gs>
+              <a:gs pos="50000">
+                <a:srgbClr val="00B0F0">
+                  <a:tint val="44500"/>
+                  <a:satMod val="160000"/>
+                </a:srgbClr>
+              </a:gs>
+              <a:gs pos="100000">
+                <a:srgbClr val="00B0F0">
+                  <a:tint val="23500"/>
+                  <a:satMod val="160000"/>
+                </a:srgbClr>
+              </a:gs>
+            </a:gsLst>
+            <a:path path="circle">
+              <a:fillToRect l="100000" t="100000"/>
+            </a:path>
+            <a:tileRect r="-100000" b="-100000"/>
+          </a:gradFill>
+          <a:scene3d>
+            <a:camera prst="perspectiveAbove"/>
+            <a:lightRig rig="threePt" dir="t"/>
+          </a:scene3d>
+          <a:sp3d>
+            <a:bevelT/>
+          </a:sp3d>
+        </p:spPr>
+        <p:style>
+          <a:lnRef idx="2">
+            <a:schemeClr val="accent1">
+              <a:shade val="50000"/>
+            </a:schemeClr>
+          </a:lnRef>
+          <a:fillRef idx="1">
+            <a:schemeClr val="accent1"/>
+          </a:fillRef>
+          <a:effectRef idx="0">
+            <a:schemeClr val="accent1"/>
+          </a:effectRef>
+          <a:fontRef idx="minor">
+            <a:schemeClr val="lt1"/>
+          </a:fontRef>
+        </p:style>
+        <p:txBody>
+          <a:bodyPr rtlCol="0" anchor="ctr"/>
+          <a:lstStyle/>
+          <a:p>
+            <a:pPr algn="ctr"/>
+            <a:endParaRPr lang="en-US" sz="1100" dirty="0">
+              <a:solidFill>
+                <a:schemeClr val="tx1"/>
+              </a:solidFill>
+              <a:latin typeface="Menlo" panose="020B0609030804020204" pitchFamily="49" charset="0"/>
+              <a:ea typeface="Menlo" panose="020B0609030804020204" pitchFamily="49" charset="0"/>
+              <a:cs typeface="Menlo" panose="020B0609030804020204" pitchFamily="49" charset="0"/>
+            </a:endParaRPr>
+          </a:p>
+        </p:txBody>
+      </p:sp>
+      <p:sp>
+        <p:nvSpPr>
+          <p:cNvPr id="6" name="TextBox 5">
+            <a:extLst>
+              <a:ext uri="{FF2B5EF4-FFF2-40B4-BE49-F238E27FC236}">
+                <a16:creationId xmlns:a16="http://schemas.microsoft.com/office/drawing/2014/main" id="{610E702F-153F-EFC2-AEFB-28BBA671FFFD}"/>
+              </a:ext>
+            </a:extLst>
+          </p:cNvPr>
+          <p:cNvSpPr txBox="1"/>
+          <p:nvPr/>
+        </p:nvSpPr>
+        <p:spPr>
+          <a:xfrm>
+            <a:off x="8635705" y="5125827"/>
+            <a:ext cx="1122422" cy="215444"/>
+          </a:xfrm>
+          <a:prstGeom prst="rect">
+            <a:avLst/>
+          </a:prstGeom>
+          <a:noFill/>
+        </p:spPr>
+        <p:txBody>
+          <a:bodyPr wrap="none" rtlCol="0">
+            <a:spAutoFit/>
+          </a:bodyPr>
+          <a:lstStyle/>
+          <a:p>
+            <a:pPr algn="ctr"/>
+            <a:r>
+              <a:rPr lang="en-US" sz="800" dirty="0" err="1">
+                <a:latin typeface="Menlo" panose="020B0609030804020204" pitchFamily="49" charset="0"/>
+                <a:ea typeface="Menlo" panose="020B0609030804020204" pitchFamily="49" charset="0"/>
+                <a:cs typeface="Menlo" panose="020B0609030804020204" pitchFamily="49" charset="0"/>
+              </a:rPr>
+              <a:t>JsTypedArray</a:t>
+            </a:r>
+            <a:r>
+              <a:rPr lang="en-US" sz="800" dirty="0">
+                <a:latin typeface="Menlo" panose="020B0609030804020204" pitchFamily="49" charset="0"/>
+                <a:ea typeface="Menlo" panose="020B0609030804020204" pitchFamily="49" charset="0"/>
+                <a:cs typeface="Menlo" panose="020B0609030804020204" pitchFamily="49" charset="0"/>
+              </a:rPr>
+              <a:t>&lt;T&gt;</a:t>
             </a:r>
           </a:p>
         </p:txBody>
@@ -6324,4 +6443,10 @@
     </a:ext>
   </a:extLst>
 </a:theme>
+</file>
+
+<file path=docMetadata/LabelInfo.xml><?xml version="1.0" encoding="utf-8"?>
+<clbl:labelList xmlns:clbl="http://schemas.microsoft.com/office/2020/mipLabelMetadata">
+  <clbl:label id="{f42aa342-8706-4288-bd11-ebb85995028c}" enabled="1" method="Standard" siteId="{72f988bf-86f1-41af-91ab-2d7cd011db47}" contentBits="0" removed="0"/>
+</clbl:labelList>
 </file>